--- a/plots/Manuscript_Draft/null_visualisations/null_visualisations.pptx
+++ b/plots/Manuscript_Draft/null_visualisations/null_visualisations.pptx
@@ -6,6 +6,7 @@
   </p:sldMasterIdLst>
   <p:sldIdLst>
     <p:sldId id="284" r:id="rId2"/>
+    <p:sldId id="285" r:id="rId3"/>
   </p:sldIdLst>
   <p:sldSz cx="12192000" cy="6858000"/>
   <p:notesSz cx="6858000" cy="9144000"/>
@@ -104,6 +105,11 @@
       </a:defRPr>
     </a:lvl9pPr>
   </p:defaultTextStyle>
+  <p:extLst>
+    <p:ext uri="{EFAFB233-063F-42B5-8137-9DF3F51BA10A}">
+      <p15:sldGuideLst xmlns:p15="http://schemas.microsoft.com/office/powerpoint/2012/main"/>
+    </p:ext>
+  </p:extLst>
 </p:presentation>
 </file>
 
@@ -256,7 +262,7 @@
           <a:p>
             <a:fld id="{29A26CD3-BE86-DF48-9A30-CF4489FC8229}" type="datetimeFigureOut">
               <a:rPr lang="en-AU" smtClean="0"/>
-              <a:t>19/3/2023</a:t>
+              <a:t>26/3/2023</a:t>
             </a:fld>
             <a:endParaRPr lang="en-AU"/>
           </a:p>
@@ -456,7 +462,7 @@
           <a:p>
             <a:fld id="{29A26CD3-BE86-DF48-9A30-CF4489FC8229}" type="datetimeFigureOut">
               <a:rPr lang="en-AU" smtClean="0"/>
-              <a:t>19/3/2023</a:t>
+              <a:t>26/3/2023</a:t>
             </a:fld>
             <a:endParaRPr lang="en-AU"/>
           </a:p>
@@ -666,7 +672,7 @@
           <a:p>
             <a:fld id="{29A26CD3-BE86-DF48-9A30-CF4489FC8229}" type="datetimeFigureOut">
               <a:rPr lang="en-AU" smtClean="0"/>
-              <a:t>19/3/2023</a:t>
+              <a:t>26/3/2023</a:t>
             </a:fld>
             <a:endParaRPr lang="en-AU"/>
           </a:p>
@@ -866,7 +872,7 @@
           <a:p>
             <a:fld id="{29A26CD3-BE86-DF48-9A30-CF4489FC8229}" type="datetimeFigureOut">
               <a:rPr lang="en-AU" smtClean="0"/>
-              <a:t>19/3/2023</a:t>
+              <a:t>26/3/2023</a:t>
             </a:fld>
             <a:endParaRPr lang="en-AU"/>
           </a:p>
@@ -1142,7 +1148,7 @@
           <a:p>
             <a:fld id="{29A26CD3-BE86-DF48-9A30-CF4489FC8229}" type="datetimeFigureOut">
               <a:rPr lang="en-AU" smtClean="0"/>
-              <a:t>19/3/2023</a:t>
+              <a:t>26/3/2023</a:t>
             </a:fld>
             <a:endParaRPr lang="en-AU"/>
           </a:p>
@@ -1410,7 +1416,7 @@
           <a:p>
             <a:fld id="{29A26CD3-BE86-DF48-9A30-CF4489FC8229}" type="datetimeFigureOut">
               <a:rPr lang="en-AU" smtClean="0"/>
-              <a:t>19/3/2023</a:t>
+              <a:t>26/3/2023</a:t>
             </a:fld>
             <a:endParaRPr lang="en-AU"/>
           </a:p>
@@ -1825,7 +1831,7 @@
           <a:p>
             <a:fld id="{29A26CD3-BE86-DF48-9A30-CF4489FC8229}" type="datetimeFigureOut">
               <a:rPr lang="en-AU" smtClean="0"/>
-              <a:t>19/3/2023</a:t>
+              <a:t>26/3/2023</a:t>
             </a:fld>
             <a:endParaRPr lang="en-AU"/>
           </a:p>
@@ -1967,7 +1973,7 @@
           <a:p>
             <a:fld id="{29A26CD3-BE86-DF48-9A30-CF4489FC8229}" type="datetimeFigureOut">
               <a:rPr lang="en-AU" smtClean="0"/>
-              <a:t>19/3/2023</a:t>
+              <a:t>26/3/2023</a:t>
             </a:fld>
             <a:endParaRPr lang="en-AU"/>
           </a:p>
@@ -2080,7 +2086,7 @@
           <a:p>
             <a:fld id="{29A26CD3-BE86-DF48-9A30-CF4489FC8229}" type="datetimeFigureOut">
               <a:rPr lang="en-AU" smtClean="0"/>
-              <a:t>19/3/2023</a:t>
+              <a:t>26/3/2023</a:t>
             </a:fld>
             <a:endParaRPr lang="en-AU"/>
           </a:p>
@@ -2393,7 +2399,7 @@
           <a:p>
             <a:fld id="{29A26CD3-BE86-DF48-9A30-CF4489FC8229}" type="datetimeFigureOut">
               <a:rPr lang="en-AU" smtClean="0"/>
-              <a:t>19/3/2023</a:t>
+              <a:t>26/3/2023</a:t>
             </a:fld>
             <a:endParaRPr lang="en-AU"/>
           </a:p>
@@ -2682,7 +2688,7 @@
           <a:p>
             <a:fld id="{29A26CD3-BE86-DF48-9A30-CF4489FC8229}" type="datetimeFigureOut">
               <a:rPr lang="en-AU" smtClean="0"/>
-              <a:t>19/3/2023</a:t>
+              <a:t>26/3/2023</a:t>
             </a:fld>
             <a:endParaRPr lang="en-AU"/>
           </a:p>
@@ -2925,7 +2931,7 @@
           <a:p>
             <a:fld id="{29A26CD3-BE86-DF48-9A30-CF4489FC8229}" type="datetimeFigureOut">
               <a:rPr lang="en-AU" smtClean="0"/>
-              <a:t>19/3/2023</a:t>
+              <a:t>26/3/2023</a:t>
             </a:fld>
             <a:endParaRPr lang="en-AU"/>
           </a:p>
@@ -3344,7 +3350,7 @@
       </p:grpSpPr>
       <p:pic>
         <p:nvPicPr>
-          <p:cNvPr id="4" name="Picture 3" descr="A picture containing timeline&#10;&#10;Description automatically generated">
+          <p:cNvPr id="4" name="Picture 3">
             <a:extLst>
               <a:ext uri="{FF2B5EF4-FFF2-40B4-BE49-F238E27FC236}">
                 <a16:creationId xmlns:a16="http://schemas.microsoft.com/office/drawing/2014/main" id="{EC9EB2A3-D61F-48AA-655F-7C72290BB961}"/>
@@ -3358,26 +3364,84 @@
         </p:nvPicPr>
         <p:blipFill>
           <a:blip r:embed="rId2"/>
-          <a:stretch>
-            <a:fillRect/>
-          </a:stretch>
+          <a:srcRect/>
+          <a:stretch/>
         </p:blipFill>
         <p:spPr>
           <a:xfrm>
-            <a:off x="311787" y="207053"/>
-            <a:ext cx="7965631" cy="6638025"/>
+            <a:off x="0" y="-71242"/>
+            <a:ext cx="7965630" cy="6638025"/>
           </a:xfrm>
           <a:prstGeom prst="rect">
             <a:avLst/>
           </a:prstGeom>
         </p:spPr>
       </p:pic>
-      <p:sp>
-        <p:nvSpPr>
-          <p:cNvPr id="7" name="TextBox 6">
-            <a:extLst>
-              <a:ext uri="{FF2B5EF4-FFF2-40B4-BE49-F238E27FC236}">
-                <a16:creationId xmlns:a16="http://schemas.microsoft.com/office/drawing/2014/main" id="{EA2BE835-8549-972D-DDD9-825FE04536B6}"/>
+    </p:spTree>
+    <p:extLst>
+      <p:ext uri="{BB962C8B-B14F-4D97-AF65-F5344CB8AC3E}">
+        <p14:creationId xmlns:p14="http://schemas.microsoft.com/office/powerpoint/2010/main" val="198027631"/>
+      </p:ext>
+    </p:extLst>
+  </p:cSld>
+  <p:clrMapOvr>
+    <a:masterClrMapping/>
+  </p:clrMapOvr>
+</p:sld>
+</file>
+
+<file path=ppt/slides/slide2.xml><?xml version="1.0" encoding="utf-8"?>
+<p:sld xmlns:a="http://schemas.openxmlformats.org/drawingml/2006/main" xmlns:r="http://schemas.openxmlformats.org/officeDocument/2006/relationships" xmlns:p="http://schemas.openxmlformats.org/presentationml/2006/main">
+  <p:cSld>
+    <p:spTree>
+      <p:nvGrpSpPr>
+        <p:cNvPr id="1" name=""/>
+        <p:cNvGrpSpPr/>
+        <p:nvPr/>
+      </p:nvGrpSpPr>
+      <p:grpSpPr>
+        <a:xfrm>
+          <a:off x="0" y="0"/>
+          <a:ext cx="0" cy="0"/>
+          <a:chOff x="0" y="0"/>
+          <a:chExt cx="0" cy="0"/>
+        </a:xfrm>
+      </p:grpSpPr>
+      <p:pic>
+        <p:nvPicPr>
+          <p:cNvPr id="3" name="Picture 2">
+            <a:extLst>
+              <a:ext uri="{FF2B5EF4-FFF2-40B4-BE49-F238E27FC236}">
+                <a16:creationId xmlns:a16="http://schemas.microsoft.com/office/drawing/2014/main" id="{22395646-ED6E-EF76-98BF-E5927BC70A47}"/>
+              </a:ext>
+            </a:extLst>
+          </p:cNvPr>
+          <p:cNvPicPr>
+            <a:picLocks noChangeAspect="1"/>
+          </p:cNvPicPr>
+          <p:nvPr/>
+        </p:nvPicPr>
+        <p:blipFill>
+          <a:blip r:embed="rId2"/>
+          <a:srcRect/>
+          <a:stretch/>
+        </p:blipFill>
+        <p:spPr>
+          <a:xfrm>
+            <a:off x="277213" y="315370"/>
+            <a:ext cx="3156266" cy="1841154"/>
+          </a:xfrm>
+          <a:prstGeom prst="rect">
+            <a:avLst/>
+          </a:prstGeom>
+        </p:spPr>
+      </p:pic>
+      <p:sp>
+        <p:nvSpPr>
+          <p:cNvPr id="5" name="TextBox 4">
+            <a:extLst>
+              <a:ext uri="{FF2B5EF4-FFF2-40B4-BE49-F238E27FC236}">
+                <a16:creationId xmlns:a16="http://schemas.microsoft.com/office/drawing/2014/main" id="{C7C64374-C715-59BC-827C-00A616AB34AB}"/>
               </a:ext>
             </a:extLst>
           </p:cNvPr>
@@ -3386,8 +3450,8 @@
         </p:nvSpPr>
         <p:spPr>
           <a:xfrm>
-            <a:off x="0" y="-461665"/>
-            <a:ext cx="4592478" cy="461665"/>
+            <a:off x="277213" y="0"/>
+            <a:ext cx="553376" cy="372859"/>
           </a:xfrm>
           <a:prstGeom prst="rect">
             <a:avLst/>
@@ -3401,20 +3465,14 @@
           <a:lstStyle/>
           <a:p>
             <a:r>
-              <a:rPr lang="en-US" sz="2400" b="1" dirty="0">
-                <a:solidFill>
-                  <a:schemeClr val="bg1"/>
-                </a:solidFill>
+              <a:rPr lang="en-US" sz="1823" b="1" dirty="0">
                 <a:latin typeface="Tw Cen MT" panose="020B0602020104020603" pitchFamily="34" charset="77"/>
                 <a:ea typeface="Open Sans" pitchFamily="2" charset="0"/>
                 <a:cs typeface="Open Sans" pitchFamily="2" charset="0"/>
               </a:rPr>
-              <a:t>Figure S5</a:t>
-            </a:r>
-            <a:endParaRPr lang="en-AU" sz="2400" b="1" dirty="0">
-              <a:solidFill>
-                <a:schemeClr val="bg1"/>
-              </a:solidFill>
+              <a:t>A</a:t>
+            </a:r>
+            <a:endParaRPr lang="en-AU" sz="1823" b="1" dirty="0">
               <a:latin typeface="Tw Cen MT" panose="020B0602020104020603" pitchFamily="34" charset="77"/>
               <a:ea typeface="Open Sans" pitchFamily="2" charset="0"/>
               <a:cs typeface="Open Sans" pitchFamily="2" charset="0"/>
@@ -3422,10 +3480,662 @@
           </a:p>
         </p:txBody>
       </p:sp>
+      <p:sp>
+        <p:nvSpPr>
+          <p:cNvPr id="6" name="TextBox 5">
+            <a:extLst>
+              <a:ext uri="{FF2B5EF4-FFF2-40B4-BE49-F238E27FC236}">
+                <a16:creationId xmlns:a16="http://schemas.microsoft.com/office/drawing/2014/main" id="{41051FE8-4507-5D7A-54F2-575D2F39EADE}"/>
+              </a:ext>
+            </a:extLst>
+          </p:cNvPr>
+          <p:cNvSpPr txBox="1"/>
+          <p:nvPr/>
+        </p:nvSpPr>
+        <p:spPr>
+          <a:xfrm>
+            <a:off x="3501448" y="0"/>
+            <a:ext cx="553376" cy="372859"/>
+          </a:xfrm>
+          <a:prstGeom prst="rect">
+            <a:avLst/>
+          </a:prstGeom>
+          <a:noFill/>
+        </p:spPr>
+        <p:txBody>
+          <a:bodyPr wrap="square">
+            <a:spAutoFit/>
+          </a:bodyPr>
+          <a:lstStyle/>
+          <a:p>
+            <a:r>
+              <a:rPr lang="en-US" sz="1823" b="1" dirty="0">
+                <a:latin typeface="Tw Cen MT" panose="020B0602020104020603" pitchFamily="34" charset="77"/>
+                <a:ea typeface="Open Sans" pitchFamily="2" charset="0"/>
+                <a:cs typeface="Open Sans" pitchFamily="2" charset="0"/>
+              </a:rPr>
+              <a:t>B</a:t>
+            </a:r>
+            <a:endParaRPr lang="en-AU" sz="1823" b="1" dirty="0">
+              <a:latin typeface="Tw Cen MT" panose="020B0602020104020603" pitchFamily="34" charset="77"/>
+              <a:ea typeface="Open Sans" pitchFamily="2" charset="0"/>
+              <a:cs typeface="Open Sans" pitchFamily="2" charset="0"/>
+            </a:endParaRPr>
+          </a:p>
+        </p:txBody>
+      </p:sp>
+      <p:pic>
+        <p:nvPicPr>
+          <p:cNvPr id="8" name="Picture 7">
+            <a:extLst>
+              <a:ext uri="{FF2B5EF4-FFF2-40B4-BE49-F238E27FC236}">
+                <a16:creationId xmlns:a16="http://schemas.microsoft.com/office/drawing/2014/main" id="{B3BB74CA-758D-B001-272D-065BB48091C3}"/>
+              </a:ext>
+            </a:extLst>
+          </p:cNvPr>
+          <p:cNvPicPr>
+            <a:picLocks noChangeAspect="1"/>
+          </p:cNvPicPr>
+          <p:nvPr/>
+        </p:nvPicPr>
+        <p:blipFill>
+          <a:blip r:embed="rId3"/>
+          <a:srcRect/>
+          <a:stretch/>
+        </p:blipFill>
+        <p:spPr>
+          <a:xfrm>
+            <a:off x="3511387" y="315370"/>
+            <a:ext cx="3156265" cy="1841155"/>
+          </a:xfrm>
+          <a:prstGeom prst="rect">
+            <a:avLst/>
+          </a:prstGeom>
+        </p:spPr>
+      </p:pic>
+      <p:pic>
+        <p:nvPicPr>
+          <p:cNvPr id="10" name="Picture 9">
+            <a:extLst>
+              <a:ext uri="{FF2B5EF4-FFF2-40B4-BE49-F238E27FC236}">
+                <a16:creationId xmlns:a16="http://schemas.microsoft.com/office/drawing/2014/main" id="{1FD2577E-A9D0-D7CD-E31E-CD2983D33CE7}"/>
+              </a:ext>
+            </a:extLst>
+          </p:cNvPr>
+          <p:cNvPicPr>
+            <a:picLocks noChangeAspect="1"/>
+          </p:cNvPicPr>
+          <p:nvPr/>
+        </p:nvPicPr>
+        <p:blipFill>
+          <a:blip r:embed="rId4"/>
+          <a:srcRect/>
+          <a:stretch/>
+        </p:blipFill>
+        <p:spPr>
+          <a:xfrm>
+            <a:off x="6754801" y="315370"/>
+            <a:ext cx="2367198" cy="1841154"/>
+          </a:xfrm>
+          <a:prstGeom prst="rect">
+            <a:avLst/>
+          </a:prstGeom>
+        </p:spPr>
+      </p:pic>
+      <p:sp>
+        <p:nvSpPr>
+          <p:cNvPr id="11" name="TextBox 10">
+            <a:extLst>
+              <a:ext uri="{FF2B5EF4-FFF2-40B4-BE49-F238E27FC236}">
+                <a16:creationId xmlns:a16="http://schemas.microsoft.com/office/drawing/2014/main" id="{86497203-A642-889C-6D84-0D6E7971EEC9}"/>
+              </a:ext>
+            </a:extLst>
+          </p:cNvPr>
+          <p:cNvSpPr txBox="1"/>
+          <p:nvPr/>
+        </p:nvSpPr>
+        <p:spPr>
+          <a:xfrm>
+            <a:off x="6734923" y="0"/>
+            <a:ext cx="553376" cy="372859"/>
+          </a:xfrm>
+          <a:prstGeom prst="rect">
+            <a:avLst/>
+          </a:prstGeom>
+          <a:noFill/>
+        </p:spPr>
+        <p:txBody>
+          <a:bodyPr wrap="square">
+            <a:spAutoFit/>
+          </a:bodyPr>
+          <a:lstStyle/>
+          <a:p>
+            <a:r>
+              <a:rPr lang="en-US" sz="1823" b="1" dirty="0">
+                <a:latin typeface="Tw Cen MT" panose="020B0602020104020603" pitchFamily="34" charset="77"/>
+                <a:ea typeface="Open Sans" pitchFamily="2" charset="0"/>
+                <a:cs typeface="Open Sans" pitchFamily="2" charset="0"/>
+              </a:rPr>
+              <a:t>C</a:t>
+            </a:r>
+            <a:endParaRPr lang="en-AU" sz="1823" b="1" dirty="0">
+              <a:latin typeface="Tw Cen MT" panose="020B0602020104020603" pitchFamily="34" charset="77"/>
+              <a:ea typeface="Open Sans" pitchFamily="2" charset="0"/>
+              <a:cs typeface="Open Sans" pitchFamily="2" charset="0"/>
+            </a:endParaRPr>
+          </a:p>
+        </p:txBody>
+      </p:sp>
+      <p:sp>
+        <p:nvSpPr>
+          <p:cNvPr id="12" name="TextBox 11">
+            <a:extLst>
+              <a:ext uri="{FF2B5EF4-FFF2-40B4-BE49-F238E27FC236}">
+                <a16:creationId xmlns:a16="http://schemas.microsoft.com/office/drawing/2014/main" id="{1F64BA35-4D7B-EB3E-F72F-8F883970880E}"/>
+              </a:ext>
+            </a:extLst>
+          </p:cNvPr>
+          <p:cNvSpPr txBox="1"/>
+          <p:nvPr/>
+        </p:nvSpPr>
+        <p:spPr>
+          <a:xfrm>
+            <a:off x="996487" y="66043"/>
+            <a:ext cx="1638497" cy="276999"/>
+          </a:xfrm>
+          <a:prstGeom prst="rect">
+            <a:avLst/>
+          </a:prstGeom>
+          <a:noFill/>
+        </p:spPr>
+        <p:txBody>
+          <a:bodyPr wrap="square">
+            <a:spAutoFit/>
+          </a:bodyPr>
+          <a:lstStyle/>
+          <a:p>
+            <a:pPr algn="ctr"/>
+            <a:r>
+              <a:rPr lang="en-US" sz="1200" dirty="0">
+                <a:latin typeface="Tw Cen MT" panose="020B0602020104020603" pitchFamily="34" charset="77"/>
+                <a:ea typeface="Open Sans" pitchFamily="2" charset="0"/>
+                <a:cs typeface="Open Sans" pitchFamily="2" charset="0"/>
+              </a:rPr>
+              <a:t>Univariate region-wise</a:t>
+            </a:r>
+            <a:endParaRPr lang="en-AU" sz="1200" dirty="0">
+              <a:latin typeface="Tw Cen MT" panose="020B0602020104020603" pitchFamily="34" charset="77"/>
+              <a:ea typeface="Open Sans" pitchFamily="2" charset="0"/>
+              <a:cs typeface="Open Sans" pitchFamily="2" charset="0"/>
+            </a:endParaRPr>
+          </a:p>
+        </p:txBody>
+      </p:sp>
+      <p:sp>
+        <p:nvSpPr>
+          <p:cNvPr id="13" name="TextBox 12">
+            <a:extLst>
+              <a:ext uri="{FF2B5EF4-FFF2-40B4-BE49-F238E27FC236}">
+                <a16:creationId xmlns:a16="http://schemas.microsoft.com/office/drawing/2014/main" id="{047EAF52-5983-5F48-5E4C-2664317FDC2F}"/>
+              </a:ext>
+            </a:extLst>
+          </p:cNvPr>
+          <p:cNvSpPr txBox="1"/>
+          <p:nvPr/>
+        </p:nvSpPr>
+        <p:spPr>
+          <a:xfrm>
+            <a:off x="4258723" y="66043"/>
+            <a:ext cx="1638497" cy="276999"/>
+          </a:xfrm>
+          <a:prstGeom prst="rect">
+            <a:avLst/>
+          </a:prstGeom>
+          <a:noFill/>
+        </p:spPr>
+        <p:txBody>
+          <a:bodyPr wrap="square">
+            <a:spAutoFit/>
+          </a:bodyPr>
+          <a:lstStyle/>
+          <a:p>
+            <a:pPr algn="ctr"/>
+            <a:r>
+              <a:rPr lang="en-US" sz="1200" dirty="0">
+                <a:latin typeface="Tw Cen MT" panose="020B0602020104020603" pitchFamily="34" charset="77"/>
+                <a:ea typeface="Open Sans" pitchFamily="2" charset="0"/>
+                <a:cs typeface="Open Sans" pitchFamily="2" charset="0"/>
+              </a:rPr>
+              <a:t>Univariate feature-wise</a:t>
+            </a:r>
+            <a:endParaRPr lang="en-AU" sz="1200" dirty="0">
+              <a:latin typeface="Tw Cen MT" panose="020B0602020104020603" pitchFamily="34" charset="77"/>
+              <a:ea typeface="Open Sans" pitchFamily="2" charset="0"/>
+              <a:cs typeface="Open Sans" pitchFamily="2" charset="0"/>
+            </a:endParaRPr>
+          </a:p>
+        </p:txBody>
+      </p:sp>
+      <p:sp>
+        <p:nvSpPr>
+          <p:cNvPr id="14" name="TextBox 13">
+            <a:extLst>
+              <a:ext uri="{FF2B5EF4-FFF2-40B4-BE49-F238E27FC236}">
+                <a16:creationId xmlns:a16="http://schemas.microsoft.com/office/drawing/2014/main" id="{BBA82CB3-52A8-EF14-42C5-D49D7BDC071D}"/>
+              </a:ext>
+            </a:extLst>
+          </p:cNvPr>
+          <p:cNvSpPr txBox="1"/>
+          <p:nvPr/>
+        </p:nvSpPr>
+        <p:spPr>
+          <a:xfrm>
+            <a:off x="7011611" y="66042"/>
+            <a:ext cx="1871337" cy="276999"/>
+          </a:xfrm>
+          <a:prstGeom prst="rect">
+            <a:avLst/>
+          </a:prstGeom>
+          <a:noFill/>
+        </p:spPr>
+        <p:txBody>
+          <a:bodyPr wrap="square">
+            <a:spAutoFit/>
+          </a:bodyPr>
+          <a:lstStyle/>
+          <a:p>
+            <a:pPr algn="ctr"/>
+            <a:r>
+              <a:rPr lang="en-US" sz="1200" dirty="0">
+                <a:latin typeface="Tw Cen MT" panose="020B0602020104020603" pitchFamily="34" charset="77"/>
+                <a:ea typeface="Open Sans" pitchFamily="2" charset="0"/>
+                <a:cs typeface="Open Sans" pitchFamily="2" charset="0"/>
+              </a:rPr>
+              <a:t>Univariate region × feature</a:t>
+            </a:r>
+            <a:endParaRPr lang="en-AU" sz="1200" dirty="0">
+              <a:latin typeface="Tw Cen MT" panose="020B0602020104020603" pitchFamily="34" charset="77"/>
+              <a:ea typeface="Open Sans" pitchFamily="2" charset="0"/>
+              <a:cs typeface="Open Sans" pitchFamily="2" charset="0"/>
+            </a:endParaRPr>
+          </a:p>
+        </p:txBody>
+      </p:sp>
+      <p:grpSp>
+        <p:nvGrpSpPr>
+          <p:cNvPr id="25" name="Group 24">
+            <a:extLst>
+              <a:ext uri="{FF2B5EF4-FFF2-40B4-BE49-F238E27FC236}">
+                <a16:creationId xmlns:a16="http://schemas.microsoft.com/office/drawing/2014/main" id="{5C650A57-A905-7483-9010-D31EE677375A}"/>
+              </a:ext>
+            </a:extLst>
+          </p:cNvPr>
+          <p:cNvGrpSpPr/>
+          <p:nvPr/>
+        </p:nvGrpSpPr>
+        <p:grpSpPr>
+          <a:xfrm>
+            <a:off x="1605576" y="2234538"/>
+            <a:ext cx="7158973" cy="276999"/>
+            <a:chOff x="996487" y="2168495"/>
+            <a:chExt cx="7158973" cy="276999"/>
+          </a:xfrm>
+        </p:grpSpPr>
+        <p:sp>
+          <p:nvSpPr>
+            <p:cNvPr id="15" name="Rectangle 14">
+              <a:extLst>
+                <a:ext uri="{FF2B5EF4-FFF2-40B4-BE49-F238E27FC236}">
+                  <a16:creationId xmlns:a16="http://schemas.microsoft.com/office/drawing/2014/main" id="{ADF3F0E0-EB73-2F8C-C298-D96893DF48E9}"/>
+                </a:ext>
+              </a:extLst>
+            </p:cNvPr>
+            <p:cNvSpPr/>
+            <p:nvPr/>
+          </p:nvSpPr>
+          <p:spPr>
+            <a:xfrm>
+              <a:off x="996487" y="2193622"/>
+              <a:ext cx="246614" cy="226744"/>
+            </a:xfrm>
+            <a:prstGeom prst="rect">
+              <a:avLst/>
+            </a:prstGeom>
+            <a:solidFill>
+              <a:srgbClr val="CDCDCD"/>
+            </a:solidFill>
+            <a:ln>
+              <a:noFill/>
+            </a:ln>
+          </p:spPr>
+          <p:style>
+            <a:lnRef idx="2">
+              <a:schemeClr val="accent1">
+                <a:shade val="50000"/>
+              </a:schemeClr>
+            </a:lnRef>
+            <a:fillRef idx="1">
+              <a:schemeClr val="accent1"/>
+            </a:fillRef>
+            <a:effectRef idx="0">
+              <a:schemeClr val="accent1"/>
+            </a:effectRef>
+            <a:fontRef idx="minor">
+              <a:schemeClr val="lt1"/>
+            </a:fontRef>
+          </p:style>
+          <p:txBody>
+            <a:bodyPr rtlCol="0" anchor="ctr"/>
+            <a:lstStyle/>
+            <a:p>
+              <a:pPr algn="ctr"/>
+              <a:endParaRPr lang="en-AU"/>
+            </a:p>
+          </p:txBody>
+        </p:sp>
+        <p:sp>
+          <p:nvSpPr>
+            <p:cNvPr id="16" name="TextBox 15">
+              <a:extLst>
+                <a:ext uri="{FF2B5EF4-FFF2-40B4-BE49-F238E27FC236}">
+                  <a16:creationId xmlns:a16="http://schemas.microsoft.com/office/drawing/2014/main" id="{B353C862-8B67-7C27-1AB1-6F47D941B409}"/>
+                </a:ext>
+              </a:extLst>
+            </p:cNvPr>
+            <p:cNvSpPr txBox="1"/>
+            <p:nvPr/>
+          </p:nvSpPr>
+          <p:spPr>
+            <a:xfrm>
+              <a:off x="1243101" y="2168495"/>
+              <a:ext cx="2354864" cy="276999"/>
+            </a:xfrm>
+            <a:prstGeom prst="rect">
+              <a:avLst/>
+            </a:prstGeom>
+            <a:noFill/>
+          </p:spPr>
+          <p:txBody>
+            <a:bodyPr wrap="square">
+              <a:spAutoFit/>
+            </a:bodyPr>
+            <a:lstStyle/>
+            <a:p>
+              <a:pPr algn="ctr"/>
+              <a:r>
+                <a:rPr lang="en-US" sz="1200" dirty="0">
+                  <a:latin typeface="Tw Cen MT" panose="020B0602020104020603" pitchFamily="34" charset="77"/>
+                  <a:ea typeface="Open Sans" pitchFamily="2" charset="0"/>
+                  <a:cs typeface="Open Sans" pitchFamily="2" charset="0"/>
+                </a:rPr>
+                <a:t>Null balanced accuracy distribution</a:t>
+              </a:r>
+              <a:endParaRPr lang="en-AU" sz="1200" dirty="0">
+                <a:latin typeface="Tw Cen MT" panose="020B0602020104020603" pitchFamily="34" charset="77"/>
+                <a:ea typeface="Open Sans" pitchFamily="2" charset="0"/>
+                <a:cs typeface="Open Sans" pitchFamily="2" charset="0"/>
+              </a:endParaRPr>
+            </a:p>
+          </p:txBody>
+        </p:sp>
+        <p:sp>
+          <p:nvSpPr>
+            <p:cNvPr id="19" name="Rectangle 18">
+              <a:extLst>
+                <a:ext uri="{FF2B5EF4-FFF2-40B4-BE49-F238E27FC236}">
+                  <a16:creationId xmlns:a16="http://schemas.microsoft.com/office/drawing/2014/main" id="{586027F1-445B-60D9-7B54-DC429829FCE9}"/>
+                </a:ext>
+              </a:extLst>
+            </p:cNvPr>
+            <p:cNvSpPr/>
+            <p:nvPr/>
+          </p:nvSpPr>
+          <p:spPr>
+            <a:xfrm>
+              <a:off x="3894529" y="2195853"/>
+              <a:ext cx="246614" cy="226744"/>
+            </a:xfrm>
+            <a:prstGeom prst="rect">
+              <a:avLst/>
+            </a:prstGeom>
+            <a:solidFill>
+              <a:srgbClr val="563DC8"/>
+            </a:solidFill>
+            <a:ln>
+              <a:noFill/>
+            </a:ln>
+          </p:spPr>
+          <p:style>
+            <a:lnRef idx="2">
+              <a:schemeClr val="accent1">
+                <a:shade val="50000"/>
+              </a:schemeClr>
+            </a:lnRef>
+            <a:fillRef idx="1">
+              <a:schemeClr val="accent1"/>
+            </a:fillRef>
+            <a:effectRef idx="0">
+              <a:schemeClr val="accent1"/>
+            </a:effectRef>
+            <a:fontRef idx="minor">
+              <a:schemeClr val="lt1"/>
+            </a:fontRef>
+          </p:style>
+          <p:txBody>
+            <a:bodyPr rtlCol="0" anchor="ctr"/>
+            <a:lstStyle/>
+            <a:p>
+              <a:pPr algn="ctr"/>
+              <a:endParaRPr lang="en-AU"/>
+            </a:p>
+          </p:txBody>
+        </p:sp>
+        <p:sp>
+          <p:nvSpPr>
+            <p:cNvPr id="20" name="Rectangle 19">
+              <a:extLst>
+                <a:ext uri="{FF2B5EF4-FFF2-40B4-BE49-F238E27FC236}">
+                  <a16:creationId xmlns:a16="http://schemas.microsoft.com/office/drawing/2014/main" id="{BA13A7A6-58A5-25A4-5EF2-4E463CB5F04C}"/>
+                </a:ext>
+              </a:extLst>
+            </p:cNvPr>
+            <p:cNvSpPr/>
+            <p:nvPr/>
+          </p:nvSpPr>
+          <p:spPr>
+            <a:xfrm>
+              <a:off x="4247174" y="2194646"/>
+              <a:ext cx="246614" cy="226744"/>
+            </a:xfrm>
+            <a:prstGeom prst="rect">
+              <a:avLst/>
+            </a:prstGeom>
+            <a:solidFill>
+              <a:srgbClr val="DA4B2A"/>
+            </a:solidFill>
+            <a:ln>
+              <a:noFill/>
+            </a:ln>
+          </p:spPr>
+          <p:style>
+            <a:lnRef idx="2">
+              <a:schemeClr val="accent1">
+                <a:shade val="50000"/>
+              </a:schemeClr>
+            </a:lnRef>
+            <a:fillRef idx="1">
+              <a:schemeClr val="accent1"/>
+            </a:fillRef>
+            <a:effectRef idx="0">
+              <a:schemeClr val="accent1"/>
+            </a:effectRef>
+            <a:fontRef idx="minor">
+              <a:schemeClr val="lt1"/>
+            </a:fontRef>
+          </p:style>
+          <p:txBody>
+            <a:bodyPr rtlCol="0" anchor="ctr"/>
+            <a:lstStyle/>
+            <a:p>
+              <a:pPr algn="ctr"/>
+              <a:endParaRPr lang="en-AU"/>
+            </a:p>
+          </p:txBody>
+        </p:sp>
+        <p:sp>
+          <p:nvSpPr>
+            <p:cNvPr id="21" name="Rectangle 20">
+              <a:extLst>
+                <a:ext uri="{FF2B5EF4-FFF2-40B4-BE49-F238E27FC236}">
+                  <a16:creationId xmlns:a16="http://schemas.microsoft.com/office/drawing/2014/main" id="{FA2A077D-A421-8B20-3A85-464AD579B11E}"/>
+                </a:ext>
+              </a:extLst>
+            </p:cNvPr>
+            <p:cNvSpPr/>
+            <p:nvPr/>
+          </p:nvSpPr>
+          <p:spPr>
+            <a:xfrm>
+              <a:off x="4599819" y="2195853"/>
+              <a:ext cx="246614" cy="226744"/>
+            </a:xfrm>
+            <a:prstGeom prst="rect">
+              <a:avLst/>
+            </a:prstGeom>
+            <a:solidFill>
+              <a:srgbClr val="25A5B0"/>
+            </a:solidFill>
+            <a:ln>
+              <a:noFill/>
+            </a:ln>
+          </p:spPr>
+          <p:style>
+            <a:lnRef idx="2">
+              <a:schemeClr val="accent1">
+                <a:shade val="50000"/>
+              </a:schemeClr>
+            </a:lnRef>
+            <a:fillRef idx="1">
+              <a:schemeClr val="accent1"/>
+            </a:fillRef>
+            <a:effectRef idx="0">
+              <a:schemeClr val="accent1"/>
+            </a:effectRef>
+            <a:fontRef idx="minor">
+              <a:schemeClr val="lt1"/>
+            </a:fontRef>
+          </p:style>
+          <p:txBody>
+            <a:bodyPr rtlCol="0" anchor="ctr"/>
+            <a:lstStyle/>
+            <a:p>
+              <a:pPr algn="ctr"/>
+              <a:endParaRPr lang="en-AU"/>
+            </a:p>
+          </p:txBody>
+        </p:sp>
+        <p:sp>
+          <p:nvSpPr>
+            <p:cNvPr id="22" name="Rectangle 21">
+              <a:extLst>
+                <a:ext uri="{FF2B5EF4-FFF2-40B4-BE49-F238E27FC236}">
+                  <a16:creationId xmlns:a16="http://schemas.microsoft.com/office/drawing/2014/main" id="{16128A68-33C9-476D-C3AF-8B0A4AA92A7E}"/>
+                </a:ext>
+              </a:extLst>
+            </p:cNvPr>
+            <p:cNvSpPr/>
+            <p:nvPr/>
+          </p:nvSpPr>
+          <p:spPr>
+            <a:xfrm>
+              <a:off x="4952464" y="2193622"/>
+              <a:ext cx="246614" cy="226744"/>
+            </a:xfrm>
+            <a:prstGeom prst="rect">
+              <a:avLst/>
+            </a:prstGeom>
+            <a:solidFill>
+              <a:srgbClr val="C57B2F"/>
+            </a:solidFill>
+            <a:ln>
+              <a:noFill/>
+            </a:ln>
+          </p:spPr>
+          <p:style>
+            <a:lnRef idx="2">
+              <a:schemeClr val="accent1">
+                <a:shade val="50000"/>
+              </a:schemeClr>
+            </a:lnRef>
+            <a:fillRef idx="1">
+              <a:schemeClr val="accent1"/>
+            </a:fillRef>
+            <a:effectRef idx="0">
+              <a:schemeClr val="accent1"/>
+            </a:effectRef>
+            <a:fontRef idx="minor">
+              <a:schemeClr val="lt1"/>
+            </a:fontRef>
+          </p:style>
+          <p:txBody>
+            <a:bodyPr rtlCol="0" anchor="ctr"/>
+            <a:lstStyle/>
+            <a:p>
+              <a:pPr algn="ctr"/>
+              <a:endParaRPr lang="en-AU"/>
+            </a:p>
+          </p:txBody>
+        </p:sp>
+        <p:sp>
+          <p:nvSpPr>
+            <p:cNvPr id="23" name="TextBox 22">
+              <a:extLst>
+                <a:ext uri="{FF2B5EF4-FFF2-40B4-BE49-F238E27FC236}">
+                  <a16:creationId xmlns:a16="http://schemas.microsoft.com/office/drawing/2014/main" id="{7C9B02D3-FD6C-14B4-D047-83D28D6D21F2}"/>
+                </a:ext>
+              </a:extLst>
+            </p:cNvPr>
+            <p:cNvSpPr txBox="1"/>
+            <p:nvPr/>
+          </p:nvSpPr>
+          <p:spPr>
+            <a:xfrm>
+              <a:off x="5199077" y="2168495"/>
+              <a:ext cx="2956383" cy="276999"/>
+            </a:xfrm>
+            <a:prstGeom prst="rect">
+              <a:avLst/>
+            </a:prstGeom>
+            <a:noFill/>
+          </p:spPr>
+          <p:txBody>
+            <a:bodyPr wrap="square">
+              <a:spAutoFit/>
+            </a:bodyPr>
+            <a:lstStyle/>
+            <a:p>
+              <a:pPr algn="ctr"/>
+              <a:r>
+                <a:rPr lang="en-US" sz="1200" dirty="0">
+                  <a:latin typeface="Tw Cen MT" panose="020B0602020104020603" pitchFamily="34" charset="77"/>
+                  <a:ea typeface="Open Sans" pitchFamily="2" charset="0"/>
+                  <a:cs typeface="Open Sans" pitchFamily="2" charset="0"/>
+                </a:rPr>
+                <a:t>Statistically significant balanced accuracies</a:t>
+              </a:r>
+              <a:endParaRPr lang="en-AU" sz="1200" dirty="0">
+                <a:latin typeface="Tw Cen MT" panose="020B0602020104020603" pitchFamily="34" charset="77"/>
+                <a:ea typeface="Open Sans" pitchFamily="2" charset="0"/>
+                <a:cs typeface="Open Sans" pitchFamily="2" charset="0"/>
+              </a:endParaRPr>
+            </a:p>
+          </p:txBody>
+        </p:sp>
+      </p:grpSp>
     </p:spTree>
     <p:extLst>
       <p:ext uri="{BB962C8B-B14F-4D97-AF65-F5344CB8AC3E}">
-        <p14:creationId xmlns:p14="http://schemas.microsoft.com/office/powerpoint/2010/main" val="198027631"/>
+        <p14:creationId xmlns:p14="http://schemas.microsoft.com/office/powerpoint/2010/main" val="2481422728"/>
       </p:ext>
     </p:extLst>
   </p:cSld>

--- a/plots/Manuscript_Draft/null_visualisations/null_visualisations.pptx
+++ b/plots/Manuscript_Draft/null_visualisations/null_visualisations.pptx
@@ -262,7 +262,7 @@
           <a:p>
             <a:fld id="{29A26CD3-BE86-DF48-9A30-CF4489FC8229}" type="datetimeFigureOut">
               <a:rPr lang="en-AU" smtClean="0"/>
-              <a:t>26/3/2023</a:t>
+              <a:t>27/3/2023</a:t>
             </a:fld>
             <a:endParaRPr lang="en-AU"/>
           </a:p>
@@ -462,7 +462,7 @@
           <a:p>
             <a:fld id="{29A26CD3-BE86-DF48-9A30-CF4489FC8229}" type="datetimeFigureOut">
               <a:rPr lang="en-AU" smtClean="0"/>
-              <a:t>26/3/2023</a:t>
+              <a:t>27/3/2023</a:t>
             </a:fld>
             <a:endParaRPr lang="en-AU"/>
           </a:p>
@@ -672,7 +672,7 @@
           <a:p>
             <a:fld id="{29A26CD3-BE86-DF48-9A30-CF4489FC8229}" type="datetimeFigureOut">
               <a:rPr lang="en-AU" smtClean="0"/>
-              <a:t>26/3/2023</a:t>
+              <a:t>27/3/2023</a:t>
             </a:fld>
             <a:endParaRPr lang="en-AU"/>
           </a:p>
@@ -872,7 +872,7 @@
           <a:p>
             <a:fld id="{29A26CD3-BE86-DF48-9A30-CF4489FC8229}" type="datetimeFigureOut">
               <a:rPr lang="en-AU" smtClean="0"/>
-              <a:t>26/3/2023</a:t>
+              <a:t>27/3/2023</a:t>
             </a:fld>
             <a:endParaRPr lang="en-AU"/>
           </a:p>
@@ -1148,7 +1148,7 @@
           <a:p>
             <a:fld id="{29A26CD3-BE86-DF48-9A30-CF4489FC8229}" type="datetimeFigureOut">
               <a:rPr lang="en-AU" smtClean="0"/>
-              <a:t>26/3/2023</a:t>
+              <a:t>27/3/2023</a:t>
             </a:fld>
             <a:endParaRPr lang="en-AU"/>
           </a:p>
@@ -1416,7 +1416,7 @@
           <a:p>
             <a:fld id="{29A26CD3-BE86-DF48-9A30-CF4489FC8229}" type="datetimeFigureOut">
               <a:rPr lang="en-AU" smtClean="0"/>
-              <a:t>26/3/2023</a:t>
+              <a:t>27/3/2023</a:t>
             </a:fld>
             <a:endParaRPr lang="en-AU"/>
           </a:p>
@@ -1831,7 +1831,7 @@
           <a:p>
             <a:fld id="{29A26CD3-BE86-DF48-9A30-CF4489FC8229}" type="datetimeFigureOut">
               <a:rPr lang="en-AU" smtClean="0"/>
-              <a:t>26/3/2023</a:t>
+              <a:t>27/3/2023</a:t>
             </a:fld>
             <a:endParaRPr lang="en-AU"/>
           </a:p>
@@ -1973,7 +1973,7 @@
           <a:p>
             <a:fld id="{29A26CD3-BE86-DF48-9A30-CF4489FC8229}" type="datetimeFigureOut">
               <a:rPr lang="en-AU" smtClean="0"/>
-              <a:t>26/3/2023</a:t>
+              <a:t>27/3/2023</a:t>
             </a:fld>
             <a:endParaRPr lang="en-AU"/>
           </a:p>
@@ -2086,7 +2086,7 @@
           <a:p>
             <a:fld id="{29A26CD3-BE86-DF48-9A30-CF4489FC8229}" type="datetimeFigureOut">
               <a:rPr lang="en-AU" smtClean="0"/>
-              <a:t>26/3/2023</a:t>
+              <a:t>27/3/2023</a:t>
             </a:fld>
             <a:endParaRPr lang="en-AU"/>
           </a:p>
@@ -2399,7 +2399,7 @@
           <a:p>
             <a:fld id="{29A26CD3-BE86-DF48-9A30-CF4489FC8229}" type="datetimeFigureOut">
               <a:rPr lang="en-AU" smtClean="0"/>
-              <a:t>26/3/2023</a:t>
+              <a:t>27/3/2023</a:t>
             </a:fld>
             <a:endParaRPr lang="en-AU"/>
           </a:p>
@@ -2688,7 +2688,7 @@
           <a:p>
             <a:fld id="{29A26CD3-BE86-DF48-9A30-CF4489FC8229}" type="datetimeFigureOut">
               <a:rPr lang="en-AU" smtClean="0"/>
-              <a:t>26/3/2023</a:t>
+              <a:t>27/3/2023</a:t>
             </a:fld>
             <a:endParaRPr lang="en-AU"/>
           </a:p>
@@ -2931,7 +2931,7 @@
           <a:p>
             <a:fld id="{29A26CD3-BE86-DF48-9A30-CF4489FC8229}" type="datetimeFigureOut">
               <a:rPr lang="en-AU" smtClean="0"/>
-              <a:t>26/3/2023</a:t>
+              <a:t>27/3/2023</a:t>
             </a:fld>
             <a:endParaRPr lang="en-AU"/>
           </a:p>
@@ -3775,7 +3775,7 @@
         </p:nvGrpSpPr>
         <p:grpSpPr>
           <a:xfrm>
-            <a:off x="1605576" y="2234538"/>
+            <a:off x="1510032" y="2290609"/>
             <a:ext cx="7158973" cy="276999"/>
             <a:chOff x="996487" y="2168495"/>
             <a:chExt cx="7158973" cy="276999"/>
@@ -4132,6 +4132,124 @@
           </p:txBody>
         </p:sp>
       </p:grpSp>
+      <p:pic>
+        <p:nvPicPr>
+          <p:cNvPr id="4" name="Picture 3">
+            <a:extLst>
+              <a:ext uri="{FF2B5EF4-FFF2-40B4-BE49-F238E27FC236}">
+                <a16:creationId xmlns:a16="http://schemas.microsoft.com/office/drawing/2014/main" id="{FE5DC16D-A680-361C-9708-7A6C5F2E1901}"/>
+              </a:ext>
+            </a:extLst>
+          </p:cNvPr>
+          <p:cNvPicPr>
+            <a:picLocks noChangeAspect="1"/>
+          </p:cNvPicPr>
+          <p:nvPr/>
+        </p:nvPicPr>
+        <p:blipFill>
+          <a:blip r:embed="rId5"/>
+          <a:srcRect/>
+          <a:stretch/>
+        </p:blipFill>
+        <p:spPr>
+          <a:xfrm>
+            <a:off x="287152" y="2901116"/>
+            <a:ext cx="3224235" cy="1880804"/>
+          </a:xfrm>
+          <a:prstGeom prst="rect">
+            <a:avLst/>
+          </a:prstGeom>
+        </p:spPr>
+      </p:pic>
+      <p:sp>
+        <p:nvSpPr>
+          <p:cNvPr id="7" name="TextBox 6">
+            <a:extLst>
+              <a:ext uri="{FF2B5EF4-FFF2-40B4-BE49-F238E27FC236}">
+                <a16:creationId xmlns:a16="http://schemas.microsoft.com/office/drawing/2014/main" id="{DF2FC3C7-E97B-50CA-218B-7514B0992ED5}"/>
+              </a:ext>
+            </a:extLst>
+          </p:cNvPr>
+          <p:cNvSpPr txBox="1"/>
+          <p:nvPr/>
+        </p:nvSpPr>
+        <p:spPr>
+          <a:xfrm>
+            <a:off x="275666" y="2562488"/>
+            <a:ext cx="553376" cy="372859"/>
+          </a:xfrm>
+          <a:prstGeom prst="rect">
+            <a:avLst/>
+          </a:prstGeom>
+          <a:noFill/>
+        </p:spPr>
+        <p:txBody>
+          <a:bodyPr wrap="square">
+            <a:spAutoFit/>
+          </a:bodyPr>
+          <a:lstStyle/>
+          <a:p>
+            <a:r>
+              <a:rPr lang="en-US" sz="1823" b="1" dirty="0">
+                <a:latin typeface="Tw Cen MT" panose="020B0602020104020603" pitchFamily="34" charset="77"/>
+                <a:ea typeface="Open Sans" pitchFamily="2" charset="0"/>
+                <a:cs typeface="Open Sans" pitchFamily="2" charset="0"/>
+              </a:rPr>
+              <a:t>D</a:t>
+            </a:r>
+            <a:endParaRPr lang="en-AU" sz="1823" b="1" dirty="0">
+              <a:latin typeface="Tw Cen MT" panose="020B0602020104020603" pitchFamily="34" charset="77"/>
+              <a:ea typeface="Open Sans" pitchFamily="2" charset="0"/>
+              <a:cs typeface="Open Sans" pitchFamily="2" charset="0"/>
+            </a:endParaRPr>
+          </a:p>
+        </p:txBody>
+      </p:sp>
+      <p:sp>
+        <p:nvSpPr>
+          <p:cNvPr id="9" name="TextBox 8">
+            <a:extLst>
+              <a:ext uri="{FF2B5EF4-FFF2-40B4-BE49-F238E27FC236}">
+                <a16:creationId xmlns:a16="http://schemas.microsoft.com/office/drawing/2014/main" id="{969AB981-6033-A4E3-772F-DDAEF052817C}"/>
+              </a:ext>
+            </a:extLst>
+          </p:cNvPr>
+          <p:cNvSpPr txBox="1"/>
+          <p:nvPr/>
+        </p:nvSpPr>
+        <p:spPr>
+          <a:xfrm>
+            <a:off x="1032941" y="2628531"/>
+            <a:ext cx="1638497" cy="276999"/>
+          </a:xfrm>
+          <a:prstGeom prst="rect">
+            <a:avLst/>
+          </a:prstGeom>
+          <a:noFill/>
+        </p:spPr>
+        <p:txBody>
+          <a:bodyPr wrap="square">
+            <a:spAutoFit/>
+          </a:bodyPr>
+          <a:lstStyle/>
+          <a:p>
+            <a:pPr algn="ctr"/>
+            <a:r>
+              <a:rPr lang="en-US" sz="1200" dirty="0">
+                <a:latin typeface="Tw Cen MT" panose="020B0602020104020603" pitchFamily="34" charset="77"/>
+                <a:ea typeface="Open Sans" pitchFamily="2" charset="0"/>
+                <a:cs typeface="Open Sans" pitchFamily="2" charset="0"/>
+              </a:rPr>
+              <a:t>Pairwise SPI-wise</a:t>
+            </a:r>
+            <a:endParaRPr lang="en-AU" sz="1200" dirty="0">
+              <a:latin typeface="Tw Cen MT" panose="020B0602020104020603" pitchFamily="34" charset="77"/>
+              <a:ea typeface="Open Sans" pitchFamily="2" charset="0"/>
+              <a:cs typeface="Open Sans" pitchFamily="2" charset="0"/>
+            </a:endParaRPr>
+          </a:p>
+        </p:txBody>
+      </p:sp>
     </p:spTree>
     <p:extLst>
       <p:ext uri="{BB962C8B-B14F-4D97-AF65-F5344CB8AC3E}">

--- a/plots/Manuscript_Draft/null_visualisations/null_visualisations.pptx
+++ b/plots/Manuscript_Draft/null_visualisations/null_visualisations.pptx
@@ -262,7 +262,7 @@
           <a:p>
             <a:fld id="{29A26CD3-BE86-DF48-9A30-CF4489FC8229}" type="datetimeFigureOut">
               <a:rPr lang="en-AU" smtClean="0"/>
-              <a:t>27/3/2023</a:t>
+              <a:t>31/3/2023</a:t>
             </a:fld>
             <a:endParaRPr lang="en-AU"/>
           </a:p>
@@ -462,7 +462,7 @@
           <a:p>
             <a:fld id="{29A26CD3-BE86-DF48-9A30-CF4489FC8229}" type="datetimeFigureOut">
               <a:rPr lang="en-AU" smtClean="0"/>
-              <a:t>27/3/2023</a:t>
+              <a:t>31/3/2023</a:t>
             </a:fld>
             <a:endParaRPr lang="en-AU"/>
           </a:p>
@@ -672,7 +672,7 @@
           <a:p>
             <a:fld id="{29A26CD3-BE86-DF48-9A30-CF4489FC8229}" type="datetimeFigureOut">
               <a:rPr lang="en-AU" smtClean="0"/>
-              <a:t>27/3/2023</a:t>
+              <a:t>31/3/2023</a:t>
             </a:fld>
             <a:endParaRPr lang="en-AU"/>
           </a:p>
@@ -872,7 +872,7 @@
           <a:p>
             <a:fld id="{29A26CD3-BE86-DF48-9A30-CF4489FC8229}" type="datetimeFigureOut">
               <a:rPr lang="en-AU" smtClean="0"/>
-              <a:t>27/3/2023</a:t>
+              <a:t>31/3/2023</a:t>
             </a:fld>
             <a:endParaRPr lang="en-AU"/>
           </a:p>
@@ -1148,7 +1148,7 @@
           <a:p>
             <a:fld id="{29A26CD3-BE86-DF48-9A30-CF4489FC8229}" type="datetimeFigureOut">
               <a:rPr lang="en-AU" smtClean="0"/>
-              <a:t>27/3/2023</a:t>
+              <a:t>31/3/2023</a:t>
             </a:fld>
             <a:endParaRPr lang="en-AU"/>
           </a:p>
@@ -1416,7 +1416,7 @@
           <a:p>
             <a:fld id="{29A26CD3-BE86-DF48-9A30-CF4489FC8229}" type="datetimeFigureOut">
               <a:rPr lang="en-AU" smtClean="0"/>
-              <a:t>27/3/2023</a:t>
+              <a:t>31/3/2023</a:t>
             </a:fld>
             <a:endParaRPr lang="en-AU"/>
           </a:p>
@@ -1831,7 +1831,7 @@
           <a:p>
             <a:fld id="{29A26CD3-BE86-DF48-9A30-CF4489FC8229}" type="datetimeFigureOut">
               <a:rPr lang="en-AU" smtClean="0"/>
-              <a:t>27/3/2023</a:t>
+              <a:t>31/3/2023</a:t>
             </a:fld>
             <a:endParaRPr lang="en-AU"/>
           </a:p>
@@ -1973,7 +1973,7 @@
           <a:p>
             <a:fld id="{29A26CD3-BE86-DF48-9A30-CF4489FC8229}" type="datetimeFigureOut">
               <a:rPr lang="en-AU" smtClean="0"/>
-              <a:t>27/3/2023</a:t>
+              <a:t>31/3/2023</a:t>
             </a:fld>
             <a:endParaRPr lang="en-AU"/>
           </a:p>
@@ -2086,7 +2086,7 @@
           <a:p>
             <a:fld id="{29A26CD3-BE86-DF48-9A30-CF4489FC8229}" type="datetimeFigureOut">
               <a:rPr lang="en-AU" smtClean="0"/>
-              <a:t>27/3/2023</a:t>
+              <a:t>31/3/2023</a:t>
             </a:fld>
             <a:endParaRPr lang="en-AU"/>
           </a:p>
@@ -2399,7 +2399,7 @@
           <a:p>
             <a:fld id="{29A26CD3-BE86-DF48-9A30-CF4489FC8229}" type="datetimeFigureOut">
               <a:rPr lang="en-AU" smtClean="0"/>
-              <a:t>27/3/2023</a:t>
+              <a:t>31/3/2023</a:t>
             </a:fld>
             <a:endParaRPr lang="en-AU"/>
           </a:p>
@@ -2688,7 +2688,7 @@
           <a:p>
             <a:fld id="{29A26CD3-BE86-DF48-9A30-CF4489FC8229}" type="datetimeFigureOut">
               <a:rPr lang="en-AU" smtClean="0"/>
-              <a:t>27/3/2023</a:t>
+              <a:t>31/3/2023</a:t>
             </a:fld>
             <a:endParaRPr lang="en-AU"/>
           </a:p>
@@ -2931,7 +2931,7 @@
           <a:p>
             <a:fld id="{29A26CD3-BE86-DF48-9A30-CF4489FC8229}" type="datetimeFigureOut">
               <a:rPr lang="en-AU" smtClean="0"/>
-              <a:t>27/3/2023</a:t>
+              <a:t>31/3/2023</a:t>
             </a:fld>
             <a:endParaRPr lang="en-AU"/>
           </a:p>
@@ -4250,6 +4250,51 @@
           </a:p>
         </p:txBody>
       </p:sp>
+      <p:sp>
+        <p:nvSpPr>
+          <p:cNvPr id="2" name="TextBox 1">
+            <a:extLst>
+              <a:ext uri="{FF2B5EF4-FFF2-40B4-BE49-F238E27FC236}">
+                <a16:creationId xmlns:a16="http://schemas.microsoft.com/office/drawing/2014/main" id="{04B3C520-AC76-2959-2BE7-846E38742781}"/>
+              </a:ext>
+            </a:extLst>
+          </p:cNvPr>
+          <p:cNvSpPr txBox="1"/>
+          <p:nvPr/>
+        </p:nvSpPr>
+        <p:spPr>
+          <a:xfrm>
+            <a:off x="3744473" y="2935347"/>
+            <a:ext cx="3689685" cy="307777"/>
+          </a:xfrm>
+          <a:prstGeom prst="rect">
+            <a:avLst/>
+          </a:prstGeom>
+          <a:noFill/>
+        </p:spPr>
+        <p:txBody>
+          <a:bodyPr wrap="square">
+            <a:spAutoFit/>
+          </a:bodyPr>
+          <a:lstStyle/>
+          <a:p>
+            <a:pPr marL="342900" indent="-342900">
+              <a:buAutoNum type="arabicPeriod"/>
+            </a:pPr>
+            <a:r>
+              <a:rPr lang="en-US" sz="1400" dirty="0">
+                <a:highlight>
+                  <a:srgbClr val="FFFF00"/>
+                </a:highlight>
+                <a:latin typeface="Tw Cen MT" panose="020B0602020104020603" pitchFamily="34" charset="77"/>
+                <a:ea typeface="Open Sans" pitchFamily="2" charset="0"/>
+                <a:cs typeface="Open Sans" pitchFamily="2" charset="0"/>
+              </a:rPr>
+              <a:t>Add pairwise combination results</a:t>
+            </a:r>
+          </a:p>
+        </p:txBody>
+      </p:sp>
     </p:spTree>
     <p:extLst>
       <p:ext uri="{BB962C8B-B14F-4D97-AF65-F5344CB8AC3E}">

--- a/plots/Manuscript_Draft/null_visualisations/null_visualisations.pptx
+++ b/plots/Manuscript_Draft/null_visualisations/null_visualisations.pptx
@@ -262,7 +262,7 @@
           <a:p>
             <a:fld id="{29A26CD3-BE86-DF48-9A30-CF4489FC8229}" type="datetimeFigureOut">
               <a:rPr lang="en-AU" smtClean="0"/>
-              <a:t>31/3/2023</a:t>
+              <a:t>3/4/2023</a:t>
             </a:fld>
             <a:endParaRPr lang="en-AU"/>
           </a:p>
@@ -462,7 +462,7 @@
           <a:p>
             <a:fld id="{29A26CD3-BE86-DF48-9A30-CF4489FC8229}" type="datetimeFigureOut">
               <a:rPr lang="en-AU" smtClean="0"/>
-              <a:t>31/3/2023</a:t>
+              <a:t>3/4/2023</a:t>
             </a:fld>
             <a:endParaRPr lang="en-AU"/>
           </a:p>
@@ -672,7 +672,7 @@
           <a:p>
             <a:fld id="{29A26CD3-BE86-DF48-9A30-CF4489FC8229}" type="datetimeFigureOut">
               <a:rPr lang="en-AU" smtClean="0"/>
-              <a:t>31/3/2023</a:t>
+              <a:t>3/4/2023</a:t>
             </a:fld>
             <a:endParaRPr lang="en-AU"/>
           </a:p>
@@ -872,7 +872,7 @@
           <a:p>
             <a:fld id="{29A26CD3-BE86-DF48-9A30-CF4489FC8229}" type="datetimeFigureOut">
               <a:rPr lang="en-AU" smtClean="0"/>
-              <a:t>31/3/2023</a:t>
+              <a:t>3/4/2023</a:t>
             </a:fld>
             <a:endParaRPr lang="en-AU"/>
           </a:p>
@@ -1148,7 +1148,7 @@
           <a:p>
             <a:fld id="{29A26CD3-BE86-DF48-9A30-CF4489FC8229}" type="datetimeFigureOut">
               <a:rPr lang="en-AU" smtClean="0"/>
-              <a:t>31/3/2023</a:t>
+              <a:t>3/4/2023</a:t>
             </a:fld>
             <a:endParaRPr lang="en-AU"/>
           </a:p>
@@ -1416,7 +1416,7 @@
           <a:p>
             <a:fld id="{29A26CD3-BE86-DF48-9A30-CF4489FC8229}" type="datetimeFigureOut">
               <a:rPr lang="en-AU" smtClean="0"/>
-              <a:t>31/3/2023</a:t>
+              <a:t>3/4/2023</a:t>
             </a:fld>
             <a:endParaRPr lang="en-AU"/>
           </a:p>
@@ -1831,7 +1831,7 @@
           <a:p>
             <a:fld id="{29A26CD3-BE86-DF48-9A30-CF4489FC8229}" type="datetimeFigureOut">
               <a:rPr lang="en-AU" smtClean="0"/>
-              <a:t>31/3/2023</a:t>
+              <a:t>3/4/2023</a:t>
             </a:fld>
             <a:endParaRPr lang="en-AU"/>
           </a:p>
@@ -1973,7 +1973,7 @@
           <a:p>
             <a:fld id="{29A26CD3-BE86-DF48-9A30-CF4489FC8229}" type="datetimeFigureOut">
               <a:rPr lang="en-AU" smtClean="0"/>
-              <a:t>31/3/2023</a:t>
+              <a:t>3/4/2023</a:t>
             </a:fld>
             <a:endParaRPr lang="en-AU"/>
           </a:p>
@@ -2086,7 +2086,7 @@
           <a:p>
             <a:fld id="{29A26CD3-BE86-DF48-9A30-CF4489FC8229}" type="datetimeFigureOut">
               <a:rPr lang="en-AU" smtClean="0"/>
-              <a:t>31/3/2023</a:t>
+              <a:t>3/4/2023</a:t>
             </a:fld>
             <a:endParaRPr lang="en-AU"/>
           </a:p>
@@ -2399,7 +2399,7 @@
           <a:p>
             <a:fld id="{29A26CD3-BE86-DF48-9A30-CF4489FC8229}" type="datetimeFigureOut">
               <a:rPr lang="en-AU" smtClean="0"/>
-              <a:t>31/3/2023</a:t>
+              <a:t>3/4/2023</a:t>
             </a:fld>
             <a:endParaRPr lang="en-AU"/>
           </a:p>
@@ -2688,7 +2688,7 @@
           <a:p>
             <a:fld id="{29A26CD3-BE86-DF48-9A30-CF4489FC8229}" type="datetimeFigureOut">
               <a:rPr lang="en-AU" smtClean="0"/>
-              <a:t>31/3/2023</a:t>
+              <a:t>3/4/2023</a:t>
             </a:fld>
             <a:endParaRPr lang="en-AU"/>
           </a:p>
@@ -2931,7 +2931,7 @@
           <a:p>
             <a:fld id="{29A26CD3-BE86-DF48-9A30-CF4489FC8229}" type="datetimeFigureOut">
               <a:rPr lang="en-AU" smtClean="0"/>
-              <a:t>31/3/2023</a:t>
+              <a:t>3/4/2023</a:t>
             </a:fld>
             <a:endParaRPr lang="en-AU"/>
           </a:p>
@@ -3428,8 +3428,8 @@
         </p:blipFill>
         <p:spPr>
           <a:xfrm>
-            <a:off x="277213" y="315370"/>
-            <a:ext cx="3156266" cy="1841154"/>
+            <a:off x="277214" y="315370"/>
+            <a:ext cx="3156264" cy="1841154"/>
           </a:xfrm>
           <a:prstGeom prst="rect">
             <a:avLst/>
@@ -3546,7 +3546,7 @@
         <p:spPr>
           <a:xfrm>
             <a:off x="3511387" y="315370"/>
-            <a:ext cx="3156265" cy="1841155"/>
+            <a:ext cx="3156265" cy="1841154"/>
           </a:xfrm>
           <a:prstGeom prst="rect">
             <a:avLst/>
@@ -4154,7 +4154,7 @@
         <p:spPr>
           <a:xfrm>
             <a:off x="287152" y="2901116"/>
-            <a:ext cx="3224235" cy="1880804"/>
+            <a:ext cx="3146327" cy="1835357"/>
           </a:xfrm>
           <a:prstGeom prst="rect">
             <a:avLst/>
@@ -4250,12 +4250,41 @@
           </a:p>
         </p:txBody>
       </p:sp>
-      <p:sp>
-        <p:nvSpPr>
-          <p:cNvPr id="2" name="TextBox 1">
-            <a:extLst>
-              <a:ext uri="{FF2B5EF4-FFF2-40B4-BE49-F238E27FC236}">
-                <a16:creationId xmlns:a16="http://schemas.microsoft.com/office/drawing/2014/main" id="{04B3C520-AC76-2959-2BE7-846E38742781}"/>
+      <p:pic>
+        <p:nvPicPr>
+          <p:cNvPr id="18" name="Picture 17">
+            <a:extLst>
+              <a:ext uri="{FF2B5EF4-FFF2-40B4-BE49-F238E27FC236}">
+                <a16:creationId xmlns:a16="http://schemas.microsoft.com/office/drawing/2014/main" id="{CE21B7A4-405B-2C37-37E3-2953FFF89481}"/>
+              </a:ext>
+            </a:extLst>
+          </p:cNvPr>
+          <p:cNvPicPr>
+            <a:picLocks noChangeAspect="1"/>
+          </p:cNvPicPr>
+          <p:nvPr/>
+        </p:nvPicPr>
+        <p:blipFill>
+          <a:blip r:embed="rId6"/>
+          <a:srcRect/>
+          <a:stretch/>
+        </p:blipFill>
+        <p:spPr>
+          <a:xfrm>
+            <a:off x="3511387" y="2901116"/>
+            <a:ext cx="3156265" cy="1841154"/>
+          </a:xfrm>
+          <a:prstGeom prst="rect">
+            <a:avLst/>
+          </a:prstGeom>
+        </p:spPr>
+      </p:pic>
+      <p:sp>
+        <p:nvSpPr>
+          <p:cNvPr id="24" name="TextBox 23">
+            <a:extLst>
+              <a:ext uri="{FF2B5EF4-FFF2-40B4-BE49-F238E27FC236}">
+                <a16:creationId xmlns:a16="http://schemas.microsoft.com/office/drawing/2014/main" id="{D8E851BB-9394-D8C0-A2C9-30F09F578E49}"/>
               </a:ext>
             </a:extLst>
           </p:cNvPr>
@@ -4264,8 +4293,8 @@
         </p:nvSpPr>
         <p:spPr>
           <a:xfrm>
-            <a:off x="3744473" y="2935347"/>
-            <a:ext cx="3689685" cy="307777"/>
+            <a:off x="3701665" y="2645974"/>
+            <a:ext cx="2789715" cy="276999"/>
           </a:xfrm>
           <a:prstGeom prst="rect">
             <a:avLst/>
@@ -4278,20 +4307,64 @@
           </a:bodyPr>
           <a:lstStyle/>
           <a:p>
-            <a:pPr marL="342900" indent="-342900">
-              <a:buAutoNum type="arabicPeriod"/>
-            </a:pPr>
-            <a:r>
-              <a:rPr lang="en-US" sz="1400" dirty="0">
-                <a:highlight>
-                  <a:srgbClr val="FFFF00"/>
-                </a:highlight>
+            <a:pPr algn="ctr"/>
+            <a:r>
+              <a:rPr lang="en-US" sz="1200" dirty="0">
                 <a:latin typeface="Tw Cen MT" panose="020B0602020104020603" pitchFamily="34" charset="77"/>
                 <a:ea typeface="Open Sans" pitchFamily="2" charset="0"/>
                 <a:cs typeface="Open Sans" pitchFamily="2" charset="0"/>
               </a:rPr>
-              <a:t>Add pairwise combination results</a:t>
-            </a:r>
+              <a:t>Pairwise SPI-wise with all univariate data</a:t>
+            </a:r>
+            <a:endParaRPr lang="en-AU" sz="1200" dirty="0">
+              <a:latin typeface="Tw Cen MT" panose="020B0602020104020603" pitchFamily="34" charset="77"/>
+              <a:ea typeface="Open Sans" pitchFamily="2" charset="0"/>
+              <a:cs typeface="Open Sans" pitchFamily="2" charset="0"/>
+            </a:endParaRPr>
+          </a:p>
+        </p:txBody>
+      </p:sp>
+      <p:sp>
+        <p:nvSpPr>
+          <p:cNvPr id="26" name="TextBox 25">
+            <a:extLst>
+              <a:ext uri="{FF2B5EF4-FFF2-40B4-BE49-F238E27FC236}">
+                <a16:creationId xmlns:a16="http://schemas.microsoft.com/office/drawing/2014/main" id="{967DFEE5-6F12-3606-CAAC-0148D5A69A91}"/>
+              </a:ext>
+            </a:extLst>
+          </p:cNvPr>
+          <p:cNvSpPr txBox="1"/>
+          <p:nvPr/>
+        </p:nvSpPr>
+        <p:spPr>
+          <a:xfrm>
+            <a:off x="3481313" y="2565512"/>
+            <a:ext cx="553376" cy="372859"/>
+          </a:xfrm>
+          <a:prstGeom prst="rect">
+            <a:avLst/>
+          </a:prstGeom>
+          <a:noFill/>
+        </p:spPr>
+        <p:txBody>
+          <a:bodyPr wrap="square">
+            <a:spAutoFit/>
+          </a:bodyPr>
+          <a:lstStyle/>
+          <a:p>
+            <a:r>
+              <a:rPr lang="en-US" sz="1823" b="1" dirty="0">
+                <a:latin typeface="Tw Cen MT" panose="020B0602020104020603" pitchFamily="34" charset="77"/>
+                <a:ea typeface="Open Sans" pitchFamily="2" charset="0"/>
+                <a:cs typeface="Open Sans" pitchFamily="2" charset="0"/>
+              </a:rPr>
+              <a:t>E</a:t>
+            </a:r>
+            <a:endParaRPr lang="en-AU" sz="1823" b="1" dirty="0">
+              <a:latin typeface="Tw Cen MT" panose="020B0602020104020603" pitchFamily="34" charset="77"/>
+              <a:ea typeface="Open Sans" pitchFamily="2" charset="0"/>
+              <a:cs typeface="Open Sans" pitchFamily="2" charset="0"/>
+            </a:endParaRPr>
           </a:p>
         </p:txBody>
       </p:sp>
